--- a/documents/Presentation.pptx
+++ b/documents/Presentation.pptx
@@ -4987,7 +4987,7 @@
         <p:spPr>
           <a:xfrm>
             <a:off x="5498094" y="4120514"/>
-            <a:ext cx="432318" cy="280036"/>
+            <a:ext cx="432318" cy="578974"/>
           </a:xfrm>
           <a:prstGeom prst="rect">
             <a:avLst/>
@@ -5393,7 +5393,7 @@
         </p:blipFill>
         <p:spPr>
           <a:xfrm>
-            <a:off x="3533553" y="2762192"/>
+            <a:off x="3129106" y="2762192"/>
             <a:ext cx="5124894" cy="1333616"/>
           </a:xfrm>
           <a:prstGeom prst="rect">
@@ -5415,8 +5415,8 @@
         </p:nvSpPr>
         <p:spPr>
           <a:xfrm>
-            <a:off x="3533553" y="2056190"/>
-            <a:ext cx="4550904" cy="369332"/>
+            <a:off x="3129106" y="2056190"/>
+            <a:ext cx="4550904" cy="523220"/>
           </a:xfrm>
           <a:prstGeom prst="rect">
             <a:avLst/>
@@ -5430,14 +5430,14 @@
           <a:lstStyle/>
           <a:p>
             <a:r>
-              <a:rPr lang="en-GB" dirty="0">
+              <a:rPr lang="en-GB" sz="2800" dirty="0">
                 <a:solidFill>
                   <a:schemeClr val="bg1"/>
                 </a:solidFill>
               </a:rPr>
               <a:t>Saving grace - library.gm:</a:t>
             </a:r>
-            <a:endParaRPr lang="en-CH" dirty="0">
+            <a:endParaRPr lang="en-CH" sz="2800" dirty="0">
               <a:solidFill>
                 <a:schemeClr val="bg1"/>
               </a:solidFill>
@@ -5459,7 +5459,7 @@
         </p:nvSpPr>
         <p:spPr>
           <a:xfrm>
-            <a:off x="2691111" y="4095808"/>
+            <a:off x="2286664" y="4095808"/>
             <a:ext cx="6003365" cy="369332"/>
           </a:xfrm>
           <a:prstGeom prst="rect">
@@ -5479,7 +5479,7 @@
                   <a:srgbClr val="FF0000"/>
                 </a:solidFill>
               </a:rPr>
-              <a:t>csv:	id		name	details “code string”</a:t>
+              <a:t>csv:	         id	                 name	details “code string”</a:t>
             </a:r>
             <a:endParaRPr lang="en-CH" dirty="0">
               <a:solidFill>
@@ -5553,7 +5553,7 @@
                   <a:schemeClr val="bg1"/>
                 </a:solidFill>
               </a:rPr>
-              <a:t>Check every input; if it is incorrect, repeat question until correct input is entered:</a:t>
+              <a:t>Check every input; if it is NOT correct, repeat question until correct input is entered:</a:t>
             </a:r>
           </a:p>
           <a:p>
@@ -5895,7 +5895,7 @@
         <p:spPr>
           <a:xfrm>
             <a:off x="838200" y="2941058"/>
-            <a:ext cx="10515600" cy="2083878"/>
+            <a:ext cx="10515600" cy="3459742"/>
           </a:xfrm>
         </p:spPr>
         <p:txBody>
@@ -5942,6 +5942,32 @@
               </a:rPr>
               <a:t>Rate experience of playing your games</a:t>
             </a:r>
+          </a:p>
+          <a:p>
+            <a:endParaRPr lang="en-GB" dirty="0">
+              <a:solidFill>
+                <a:schemeClr val="bg1"/>
+              </a:solidFill>
+            </a:endParaRPr>
+          </a:p>
+          <a:p>
+            <a:pPr marL="0" indent="0">
+              <a:buNone/>
+            </a:pPr>
+            <a:r>
+              <a:rPr lang="en-GB" dirty="0">
+                <a:solidFill>
+                  <a:schemeClr val="bg1"/>
+                </a:solidFill>
+                <a:sym typeface="Wingdings" panose="05000000000000000000" pitchFamily="2" charset="2"/>
+              </a:rPr>
+              <a:t> Let’s take a tour!</a:t>
+            </a:r>
+            <a:endParaRPr lang="en-GB" dirty="0">
+              <a:solidFill>
+                <a:schemeClr val="bg1"/>
+              </a:solidFill>
+            </a:endParaRPr>
           </a:p>
         </p:txBody>
       </p:sp>
@@ -6098,6 +6124,85 @@
   <p:clrMapOvr>
     <a:masterClrMapping/>
   </p:clrMapOvr>
+  <p:timing>
+    <p:tnLst>
+      <p:par>
+        <p:cTn id="1" dur="indefinite" restart="never" nodeType="tmRoot">
+          <p:childTnLst>
+            <p:seq concurrent="1" nextAc="seek">
+              <p:cTn id="2" dur="indefinite" nodeType="mainSeq">
+                <p:childTnLst>
+                  <p:par>
+                    <p:cTn id="3" fill="hold">
+                      <p:stCondLst>
+                        <p:cond delay="indefinite"/>
+                      </p:stCondLst>
+                      <p:childTnLst>
+                        <p:par>
+                          <p:cTn id="4" fill="hold">
+                            <p:stCondLst>
+                              <p:cond delay="0"/>
+                            </p:stCondLst>
+                            <p:childTnLst>
+                              <p:par>
+                                <p:cTn id="5" presetID="1" presetClass="entr" presetSubtype="0" fill="hold" nodeType="clickEffect">
+                                  <p:stCondLst>
+                                    <p:cond delay="0"/>
+                                  </p:stCondLst>
+                                  <p:childTnLst>
+                                    <p:set>
+                                      <p:cBhvr>
+                                        <p:cTn id="6" dur="1" fill="hold">
+                                          <p:stCondLst>
+                                            <p:cond delay="0"/>
+                                          </p:stCondLst>
+                                        </p:cTn>
+                                        <p:tgtEl>
+                                          <p:spTgt spid="3">
+                                            <p:txEl>
+                                              <p:pRg st="5" end="5"/>
+                                            </p:txEl>
+                                          </p:spTgt>
+                                        </p:tgtEl>
+                                        <p:attrNameLst>
+                                          <p:attrName>style.visibility</p:attrName>
+                                        </p:attrNameLst>
+                                      </p:cBhvr>
+                                      <p:to>
+                                        <p:strVal val="visible"/>
+                                      </p:to>
+                                    </p:set>
+                                  </p:childTnLst>
+                                </p:cTn>
+                              </p:par>
+                            </p:childTnLst>
+                          </p:cTn>
+                        </p:par>
+                      </p:childTnLst>
+                    </p:cTn>
+                  </p:par>
+                </p:childTnLst>
+              </p:cTn>
+              <p:prevCondLst>
+                <p:cond evt="onPrev" delay="0">
+                  <p:tgtEl>
+                    <p:sldTgt/>
+                  </p:tgtEl>
+                </p:cond>
+              </p:prevCondLst>
+              <p:nextCondLst>
+                <p:cond evt="onNext" delay="0">
+                  <p:tgtEl>
+                    <p:sldTgt/>
+                  </p:tgtEl>
+                </p:cond>
+              </p:nextCondLst>
+            </p:seq>
+          </p:childTnLst>
+        </p:cTn>
+      </p:par>
+    </p:tnLst>
+  </p:timing>
 </p:sld>
 </file>
 
@@ -6375,8 +6480,8 @@
         </p:blipFill>
         <p:spPr>
           <a:xfrm>
-            <a:off x="838200" y="3215965"/>
-            <a:ext cx="11176000" cy="1310315"/>
+            <a:off x="838200" y="3215966"/>
+            <a:ext cx="10846777" cy="1271716"/>
           </a:xfrm>
           <a:prstGeom prst="rect">
             <a:avLst/>
@@ -6704,14 +6809,20 @@
           <p:nvPr/>
         </p:nvPicPr>
         <p:blipFill rotWithShape="1">
-          <a:blip r:embed="rId2"/>
-          <a:srcRect l="3466" t="45327" b="18204"/>
+          <a:blip r:embed="rId2">
+            <a:extLst>
+              <a:ext uri="{28A0092B-C50C-407E-A947-70E740481C1C}">
+                <a14:useLocalDpi xmlns:a14="http://schemas.microsoft.com/office/drawing/2010/main" val="0"/>
+              </a:ext>
+            </a:extLst>
+          </a:blip>
+          <a:srcRect t="265" r="-166" b="1868"/>
           <a:stretch/>
         </p:blipFill>
         <p:spPr>
           <a:xfrm>
-            <a:off x="838200" y="3815793"/>
-            <a:ext cx="9266400" cy="1062936"/>
+            <a:off x="1005253" y="3969727"/>
+            <a:ext cx="8925659" cy="1027794"/>
           </a:xfrm>
           <a:prstGeom prst="rect">
             <a:avLst/>
@@ -6776,6 +6887,13 @@
           </a:bodyPr>
           <a:lstStyle/>
           <a:p>
+            <a:endParaRPr lang="en-US" dirty="0">
+              <a:solidFill>
+                <a:schemeClr val="bg1"/>
+              </a:solidFill>
+            </a:endParaRPr>
+          </a:p>
+          <a:p>
             <a:r>
               <a:rPr lang="en-US" dirty="0">
                 <a:solidFill>
@@ -6798,7 +6916,9 @@
             </a:r>
           </a:p>
           <a:p>
-            <a:pPr lvl="1"/>
+            <a:pPr marL="457200" lvl="1" indent="0">
+              <a:buNone/>
+            </a:pPr>
             <a:r>
               <a:rPr lang="en-US" dirty="0">
                 <a:solidFill>
@@ -6814,7 +6934,31 @@
                   <a:schemeClr val="bg1"/>
                 </a:solidFill>
               </a:rPr>
-              <a:t>Input only one of the options by typing right word</a:t>
+              <a:t>Input only </a:t>
+            </a:r>
+            <a:r>
+              <a:rPr lang="en-US" b="1" i="1" dirty="0">
+                <a:solidFill>
+                  <a:schemeClr val="bg1"/>
+                </a:solidFill>
+              </a:rPr>
+              <a:t>one</a:t>
+            </a:r>
+            <a:r>
+              <a:rPr lang="en-US" dirty="0">
+                <a:solidFill>
+                  <a:schemeClr val="bg1"/>
+                </a:solidFill>
+              </a:rPr>
+              <a:t> of the options by </a:t>
+            </a:r>
+            <a:r>
+              <a:rPr lang="en-US" b="1" i="1" dirty="0">
+                <a:solidFill>
+                  <a:schemeClr val="bg1"/>
+                </a:solidFill>
+              </a:rPr>
+              <a:t>typing right word</a:t>
             </a:r>
           </a:p>
           <a:p>
@@ -6887,55 +7031,6 @@
                 </a:solidFill>
               </a:rPr>
               <a:t> with options</a:t>
-            </a:r>
-          </a:p>
-          <a:p>
-            <a:pPr lvl="1"/>
-            <a:r>
-              <a:rPr lang="en-US" dirty="0">
-                <a:solidFill>
-                  <a:schemeClr val="bg1"/>
-                </a:solidFill>
-              </a:rPr>
-              <a:t>Example</a:t>
-            </a:r>
-          </a:p>
-          <a:p>
-            <a:pPr lvl="2"/>
-            <a:r>
-              <a:rPr lang="en-US" dirty="0">
-                <a:solidFill>
-                  <a:schemeClr val="bg1"/>
-                </a:solidFill>
-              </a:rPr>
-              <a:t>For </a:t>
-            </a:r>
-            <a:r>
-              <a:rPr lang="en-US" dirty="0" err="1">
-                <a:solidFill>
-                  <a:schemeClr val="bg1"/>
-                </a:solidFill>
-              </a:rPr>
-              <a:t>physical_form</a:t>
-            </a:r>
-            <a:r>
-              <a:rPr lang="en-US" dirty="0">
-                <a:solidFill>
-                  <a:schemeClr val="bg1"/>
-                </a:solidFill>
-              </a:rPr>
-              <a:t>: board (1), cards (2), dice (3), supplementals (4), other (5)</a:t>
-            </a:r>
-          </a:p>
-          <a:p>
-            <a:pPr lvl="2"/>
-            <a:r>
-              <a:rPr lang="en-US" dirty="0">
-                <a:solidFill>
-                  <a:schemeClr val="bg1"/>
-                </a:solidFill>
-              </a:rPr>
-              <a:t>Input one of the numbers or any combination</a:t>
             </a:r>
           </a:p>
         </p:txBody>

--- a/documents/Presentation.pptx
+++ b/documents/Presentation.pptx
@@ -296,7 +296,7 @@
           <a:p>
             <a:fld id="{C920219A-2CBD-4FB9-A054-C0A8754EF5D7}" type="datetimeFigureOut">
               <a:rPr lang="de-CH" smtClean="0"/>
-              <a:t>27.05.2023</a:t>
+              <a:t>31.05.2023</a:t>
             </a:fld>
             <a:endParaRPr lang="de-CH" dirty="0"/>
           </a:p>
@@ -496,7 +496,7 @@
           <a:p>
             <a:fld id="{C920219A-2CBD-4FB9-A054-C0A8754EF5D7}" type="datetimeFigureOut">
               <a:rPr lang="de-CH" smtClean="0"/>
-              <a:t>27.05.2023</a:t>
+              <a:t>31.05.2023</a:t>
             </a:fld>
             <a:endParaRPr lang="de-CH" dirty="0"/>
           </a:p>
@@ -706,7 +706,7 @@
           <a:p>
             <a:fld id="{C920219A-2CBD-4FB9-A054-C0A8754EF5D7}" type="datetimeFigureOut">
               <a:rPr lang="de-CH" smtClean="0"/>
-              <a:t>27.05.2023</a:t>
+              <a:t>31.05.2023</a:t>
             </a:fld>
             <a:endParaRPr lang="de-CH" dirty="0"/>
           </a:p>
@@ -906,7 +906,7 @@
           <a:p>
             <a:fld id="{C920219A-2CBD-4FB9-A054-C0A8754EF5D7}" type="datetimeFigureOut">
               <a:rPr lang="de-CH" smtClean="0"/>
-              <a:t>27.05.2023</a:t>
+              <a:t>31.05.2023</a:t>
             </a:fld>
             <a:endParaRPr lang="de-CH" dirty="0"/>
           </a:p>
@@ -1182,7 +1182,7 @@
           <a:p>
             <a:fld id="{C920219A-2CBD-4FB9-A054-C0A8754EF5D7}" type="datetimeFigureOut">
               <a:rPr lang="de-CH" smtClean="0"/>
-              <a:t>27.05.2023</a:t>
+              <a:t>31.05.2023</a:t>
             </a:fld>
             <a:endParaRPr lang="de-CH" dirty="0"/>
           </a:p>
@@ -1450,7 +1450,7 @@
           <a:p>
             <a:fld id="{C920219A-2CBD-4FB9-A054-C0A8754EF5D7}" type="datetimeFigureOut">
               <a:rPr lang="de-CH" smtClean="0"/>
-              <a:t>27.05.2023</a:t>
+              <a:t>31.05.2023</a:t>
             </a:fld>
             <a:endParaRPr lang="de-CH" dirty="0"/>
           </a:p>
@@ -1865,7 +1865,7 @@
           <a:p>
             <a:fld id="{C920219A-2CBD-4FB9-A054-C0A8754EF5D7}" type="datetimeFigureOut">
               <a:rPr lang="de-CH" smtClean="0"/>
-              <a:t>27.05.2023</a:t>
+              <a:t>31.05.2023</a:t>
             </a:fld>
             <a:endParaRPr lang="de-CH" dirty="0"/>
           </a:p>
@@ -2007,7 +2007,7 @@
           <a:p>
             <a:fld id="{C920219A-2CBD-4FB9-A054-C0A8754EF5D7}" type="datetimeFigureOut">
               <a:rPr lang="de-CH" smtClean="0"/>
-              <a:t>27.05.2023</a:t>
+              <a:t>31.05.2023</a:t>
             </a:fld>
             <a:endParaRPr lang="de-CH" dirty="0"/>
           </a:p>
@@ -2120,7 +2120,7 @@
           <a:p>
             <a:fld id="{C920219A-2CBD-4FB9-A054-C0A8754EF5D7}" type="datetimeFigureOut">
               <a:rPr lang="de-CH" smtClean="0"/>
-              <a:t>27.05.2023</a:t>
+              <a:t>31.05.2023</a:t>
             </a:fld>
             <a:endParaRPr lang="de-CH" dirty="0"/>
           </a:p>
@@ -2433,7 +2433,7 @@
           <a:p>
             <a:fld id="{C920219A-2CBD-4FB9-A054-C0A8754EF5D7}" type="datetimeFigureOut">
               <a:rPr lang="de-CH" smtClean="0"/>
-              <a:t>27.05.2023</a:t>
+              <a:t>31.05.2023</a:t>
             </a:fld>
             <a:endParaRPr lang="de-CH" dirty="0"/>
           </a:p>
@@ -2722,7 +2722,7 @@
           <a:p>
             <a:fld id="{C920219A-2CBD-4FB9-A054-C0A8754EF5D7}" type="datetimeFigureOut">
               <a:rPr lang="de-CH" smtClean="0"/>
-              <a:t>27.05.2023</a:t>
+              <a:t>31.05.2023</a:t>
             </a:fld>
             <a:endParaRPr lang="de-CH" dirty="0"/>
           </a:p>
@@ -2968,7 +2968,7 @@
           <a:p>
             <a:fld id="{C920219A-2CBD-4FB9-A054-C0A8754EF5D7}" type="datetimeFigureOut">
               <a:rPr lang="de-CH" smtClean="0"/>
-              <a:t>27.05.2023</a:t>
+              <a:t>31.05.2023</a:t>
             </a:fld>
             <a:endParaRPr lang="de-CH" dirty="0"/>
           </a:p>
@@ -7344,6 +7344,36 @@
           </a:p>
         </p:txBody>
       </p:sp>
+      <p:pic>
+        <p:nvPicPr>
+          <p:cNvPr id="4" name="Picture 3">
+            <a:extLst>
+              <a:ext uri="{FF2B5EF4-FFF2-40B4-BE49-F238E27FC236}">
+                <a16:creationId xmlns:a16="http://schemas.microsoft.com/office/drawing/2014/main" id="{B9D7A8E3-BFF4-52F7-6816-F0EE11BD7C6E}"/>
+              </a:ext>
+            </a:extLst>
+          </p:cNvPr>
+          <p:cNvPicPr>
+            <a:picLocks noChangeAspect="1"/>
+          </p:cNvPicPr>
+          <p:nvPr/>
+        </p:nvPicPr>
+        <p:blipFill>
+          <a:blip r:embed="rId3"/>
+          <a:stretch>
+            <a:fillRect/>
+          </a:stretch>
+        </p:blipFill>
+        <p:spPr>
+          <a:xfrm>
+            <a:off x="4899279" y="3664861"/>
+            <a:ext cx="6505901" cy="1839124"/>
+          </a:xfrm>
+          <a:prstGeom prst="rect">
+            <a:avLst/>
+          </a:prstGeom>
+        </p:spPr>
+      </p:pic>
     </p:spTree>
     <p:extLst>
       <p:ext uri="{BB962C8B-B14F-4D97-AF65-F5344CB8AC3E}">
@@ -7354,6 +7384,81 @@
   <p:clrMapOvr>
     <a:masterClrMapping/>
   </p:clrMapOvr>
+  <p:timing>
+    <p:tnLst>
+      <p:par>
+        <p:cTn id="1" dur="indefinite" restart="never" nodeType="tmRoot">
+          <p:childTnLst>
+            <p:seq concurrent="1" nextAc="seek">
+              <p:cTn id="2" dur="indefinite" nodeType="mainSeq">
+                <p:childTnLst>
+                  <p:par>
+                    <p:cTn id="3" fill="hold">
+                      <p:stCondLst>
+                        <p:cond delay="indefinite"/>
+                      </p:stCondLst>
+                      <p:childTnLst>
+                        <p:par>
+                          <p:cTn id="4" fill="hold">
+                            <p:stCondLst>
+                              <p:cond delay="0"/>
+                            </p:stCondLst>
+                            <p:childTnLst>
+                              <p:par>
+                                <p:cTn id="5" presetID="1" presetClass="entr" presetSubtype="0" fill="hold" nodeType="clickEffect">
+                                  <p:stCondLst>
+                                    <p:cond delay="0"/>
+                                  </p:stCondLst>
+                                  <p:childTnLst>
+                                    <p:set>
+                                      <p:cBhvr>
+                                        <p:cTn id="6" dur="1" fill="hold">
+                                          <p:stCondLst>
+                                            <p:cond delay="0"/>
+                                          </p:stCondLst>
+                                        </p:cTn>
+                                        <p:tgtEl>
+                                          <p:spTgt spid="4"/>
+                                        </p:tgtEl>
+                                        <p:attrNameLst>
+                                          <p:attrName>style.visibility</p:attrName>
+                                        </p:attrNameLst>
+                                      </p:cBhvr>
+                                      <p:to>
+                                        <p:strVal val="visible"/>
+                                      </p:to>
+                                    </p:set>
+                                  </p:childTnLst>
+                                </p:cTn>
+                              </p:par>
+                            </p:childTnLst>
+                          </p:cTn>
+                        </p:par>
+                      </p:childTnLst>
+                    </p:cTn>
+                  </p:par>
+                </p:childTnLst>
+              </p:cTn>
+              <p:prevCondLst>
+                <p:cond evt="onPrev" delay="0">
+                  <p:tgtEl>
+                    <p:sldTgt/>
+                  </p:tgtEl>
+                </p:cond>
+              </p:prevCondLst>
+              <p:nextCondLst>
+                <p:cond evt="onNext" delay="0">
+                  <p:tgtEl>
+                    <p:sldTgt/>
+                  </p:tgtEl>
+                </p:cond>
+              </p:nextCondLst>
+            </p:seq>
+          </p:childTnLst>
+        </p:cTn>
+      </p:par>
+    </p:tnLst>
+  </p:timing>
 </p:sld>
 </file>
 
